--- a/_PowerPoints/1st Semester/Unit 1 Linear Relations/Algebra3_Day_009 1.5 Solving Inequalities Day 2 with Quiz.pptx
+++ b/_PowerPoints/1st Semester/Unit 1 Linear Relations/Algebra3_Day_009 1.5 Solving Inequalities Day 2 with Quiz.pptx
@@ -291,7 +291,7 @@
             <a:fld id="{87DE6118-2437-4B30-8E3C-4D2BE6020583}" type="datetimeFigureOut">
               <a:rPr lang="en-US" dirty="0"/>
               <a:pPr/>
-              <a:t>9/13/2017</a:t>
+              <a:t>9/21/2018</a:t>
             </a:fld>
             <a:endParaRPr lang="en-US" dirty="0"/>
           </a:p>
@@ -617,7 +617,7 @@
           <a:p>
             <a:fld id="{87DE6118-2437-4B30-8E3C-4D2BE6020583}" type="datetimeFigureOut">
               <a:rPr lang="en-US" dirty="0"/>
-              <a:t>9/13/2017</a:t>
+              <a:t>9/21/2018</a:t>
             </a:fld>
             <a:endParaRPr lang="en-US" dirty="0"/>
           </a:p>
@@ -792,7 +792,7 @@
           <a:p>
             <a:fld id="{87DE6118-2437-4B30-8E3C-4D2BE6020583}" type="datetimeFigureOut">
               <a:rPr lang="en-US" dirty="0"/>
-              <a:t>9/13/2017</a:t>
+              <a:t>9/21/2018</a:t>
             </a:fld>
             <a:endParaRPr lang="en-US" dirty="0"/>
           </a:p>
@@ -957,7 +957,7 @@
           <a:p>
             <a:fld id="{87DE6118-2437-4B30-8E3C-4D2BE6020583}" type="datetimeFigureOut">
               <a:rPr lang="en-US" dirty="0"/>
-              <a:t>9/13/2017</a:t>
+              <a:t>9/21/2018</a:t>
             </a:fld>
             <a:endParaRPr lang="en-US" dirty="0"/>
           </a:p>
@@ -1230,7 +1230,7 @@
             <a:fld id="{87DE6118-2437-4B30-8E3C-4D2BE6020583}" type="datetimeFigureOut">
               <a:rPr lang="en-US" dirty="0"/>
               <a:pPr/>
-              <a:t>9/13/2017</a:t>
+              <a:t>9/21/2018</a:t>
             </a:fld>
             <a:endParaRPr lang="en-US" dirty="0"/>
           </a:p>
@@ -1620,7 +1620,7 @@
           <a:p>
             <a:fld id="{87DE6118-2437-4B30-8E3C-4D2BE6020583}" type="datetimeFigureOut">
               <a:rPr lang="en-US" dirty="0"/>
-              <a:t>9/13/2017</a:t>
+              <a:t>9/21/2018</a:t>
             </a:fld>
             <a:endParaRPr lang="en-US" dirty="0"/>
           </a:p>
@@ -2092,7 +2092,7 @@
           <a:p>
             <a:fld id="{87DE6118-2437-4B30-8E3C-4D2BE6020583}" type="datetimeFigureOut">
               <a:rPr lang="en-US" dirty="0"/>
-              <a:t>9/13/2017</a:t>
+              <a:t>9/21/2018</a:t>
             </a:fld>
             <a:endParaRPr lang="en-US" dirty="0"/>
           </a:p>
@@ -2205,7 +2205,7 @@
           <a:p>
             <a:fld id="{87DE6118-2437-4B30-8E3C-4D2BE6020583}" type="datetimeFigureOut">
               <a:rPr lang="en-US" dirty="0"/>
-              <a:t>9/13/2017</a:t>
+              <a:t>9/21/2018</a:t>
             </a:fld>
             <a:endParaRPr lang="en-US" dirty="0"/>
           </a:p>
@@ -2295,7 +2295,7 @@
           <a:p>
             <a:fld id="{87DE6118-2437-4B30-8E3C-4D2BE6020583}" type="datetimeFigureOut">
               <a:rPr lang="en-US" dirty="0"/>
-              <a:t>9/13/2017</a:t>
+              <a:t>9/21/2018</a:t>
             </a:fld>
             <a:endParaRPr lang="en-US" dirty="0"/>
           </a:p>
@@ -2637,7 +2637,7 @@
             <a:fld id="{87DE6118-2437-4B30-8E3C-4D2BE6020583}" type="datetimeFigureOut">
               <a:rPr lang="en-US" dirty="0"/>
               <a:pPr/>
-              <a:t>9/13/2017</a:t>
+              <a:t>9/21/2018</a:t>
             </a:fld>
             <a:endParaRPr lang="en-US" dirty="0"/>
           </a:p>
@@ -3022,7 +3022,7 @@
             <a:fld id="{87DE6118-2437-4B30-8E3C-4D2BE6020583}" type="datetimeFigureOut">
               <a:rPr lang="en-US" dirty="0"/>
               <a:pPr/>
-              <a:t>9/13/2017</a:t>
+              <a:t>9/21/2018</a:t>
             </a:fld>
             <a:endParaRPr lang="en-US" dirty="0"/>
           </a:p>
@@ -3297,7 +3297,7 @@
             <a:fld id="{87DE6118-2437-4B30-8E3C-4D2BE6020583}" type="datetimeFigureOut">
               <a:rPr lang="en-US" dirty="0"/>
               <a:pPr/>
-              <a:t>9/13/2017</a:t>
+              <a:t>9/21/2018</a:t>
             </a:fld>
             <a:endParaRPr lang="en-US" dirty="0"/>
           </a:p>
@@ -3842,8 +3842,8 @@
           </a:p>
         </p:txBody>
       </p:sp>
-      <mc:AlternateContent xmlns:mc="http://schemas.openxmlformats.org/markup-compatibility/2006" xmlns:a14="http://schemas.microsoft.com/office/drawing/2010/main">
-        <mc:Choice Requires="a14">
+      <mc:AlternateContent xmlns:mc="http://schemas.openxmlformats.org/markup-compatibility/2006">
+        <mc:Choice xmlns:a14="http://schemas.microsoft.com/office/drawing/2010/main" Requires="a14">
           <p:sp>
             <p:nvSpPr>
               <p:cNvPr id="4" name="Rectangle 3"/>
@@ -3853,7 +3853,7 @@
             <p:spPr>
               <a:xfrm>
                 <a:off x="1334264" y="1608119"/>
-                <a:ext cx="5474159" cy="4585871"/>
+                <a:ext cx="5474159" cy="5509200"/>
               </a:xfrm>
               <a:prstGeom prst="rect">
                 <a:avLst/>
@@ -3867,7 +3867,11 @@
               <a:p>
                 <a:r>
                   <a:rPr lang="en-US" sz="3200" i="1" dirty="0" smtClean="0"/>
-                  <a:t>Simplify:</a:t>
+                  <a:t>1.) Simplify</a:t>
+                </a:r>
+                <a:r>
+                  <a:rPr lang="en-US" sz="3200" i="1" dirty="0" smtClean="0"/>
+                  <a:t>:</a:t>
                 </a:r>
                 <a:endParaRPr lang="en-US" sz="3000" i="1" dirty="0" smtClean="0"/>
               </a:p>
@@ -3927,15 +3931,18 @@
                 <a:endParaRPr lang="en-US" sz="3000" dirty="0" smtClean="0"/>
               </a:p>
               <a:p>
-                <a:endParaRPr lang="en-US" sz="3000" dirty="0"/>
+                <a:endParaRPr lang="en-US" sz="3000" dirty="0" smtClean="0"/>
               </a:p>
               <a:p>
                 <a:endParaRPr lang="en-US" sz="3000" dirty="0"/>
               </a:p>
               <a:p>
+                <a:endParaRPr lang="en-US" sz="3000" dirty="0" smtClean="0"/>
+              </a:p>
+              <a:p>
                 <a:r>
                   <a:rPr lang="en-US" sz="3200" i="1" dirty="0" smtClean="0"/>
-                  <a:t>Solve: </a:t>
+                  <a:t>2.) Solve:</a:t>
                 </a:r>
                 <a:endParaRPr lang="en-US" sz="3000" i="1" dirty="0"/>
               </a:p>
@@ -3969,7 +3976,7 @@
                         <a:rPr lang="en-US" sz="3000">
                           <a:latin typeface="Cambria Math" panose="02040503050406030204" pitchFamily="18" charset="0"/>
                         </a:rPr>
-                        <m:t>−4=−</m:t>
+                        <m:t>−4−</m:t>
                       </m:r>
                       <m:r>
                         <a:rPr lang="en-US" sz="3000" i="1">
@@ -3987,11 +3994,14 @@
                         <a:rPr lang="en-US" sz="3000" i="1">
                           <a:latin typeface="Cambria Math" panose="02040503050406030204" pitchFamily="18" charset="0"/>
                         </a:rPr>
-                        <m:t>+12</m:t>
+                        <m:t>+12=0</m:t>
                       </m:r>
                     </m:oMath>
                   </m:oMathPara>
                 </a14:m>
+                <a:endParaRPr lang="en-US" sz="3000" dirty="0"/>
+              </a:p>
+              <a:p>
                 <a:endParaRPr lang="en-US" sz="3000" dirty="0"/>
               </a:p>
               <a:p>
@@ -4003,7 +4013,7 @@
             </p:txBody>
           </p:sp>
         </mc:Choice>
-        <mc:Fallback xmlns="">
+        <mc:Fallback>
           <p:sp>
             <p:nvSpPr>
               <p:cNvPr id="4" name="Rectangle 3"/>
@@ -4015,7 +4025,7 @@
             <p:spPr>
               <a:xfrm>
                 <a:off x="1334264" y="1608119"/>
-                <a:ext cx="5474159" cy="4585871"/>
+                <a:ext cx="5474159" cy="5509200"/>
               </a:xfrm>
               <a:prstGeom prst="rect">
                 <a:avLst/>
@@ -4023,7 +4033,136 @@
               <a:blipFill rotWithShape="0">
                 <a:blip r:embed="rId2"/>
                 <a:stretch>
-                  <a:fillRect l="-2895" t="-1596"/>
+                  <a:fillRect l="-2895" t="-1327"/>
+                </a:stretch>
+              </a:blipFill>
+            </p:spPr>
+            <p:txBody>
+              <a:bodyPr/>
+              <a:lstStyle/>
+              <a:p>
+                <a:r>
+                  <a:rPr lang="en-US">
+                    <a:noFill/>
+                  </a:rPr>
+                  <a:t> </a:t>
+                </a:r>
+              </a:p>
+            </p:txBody>
+          </p:sp>
+        </mc:Fallback>
+      </mc:AlternateContent>
+      <mc:AlternateContent xmlns:mc="http://schemas.openxmlformats.org/markup-compatibility/2006">
+        <mc:Choice xmlns:a14="http://schemas.microsoft.com/office/drawing/2010/main" Requires="a14">
+          <p:sp>
+            <p:nvSpPr>
+              <p:cNvPr id="3" name="Rectangle 2"/>
+              <p:cNvSpPr/>
+              <p:nvPr/>
+            </p:nvSpPr>
+            <p:spPr>
+              <a:xfrm>
+                <a:off x="6214946" y="1423782"/>
+                <a:ext cx="6096000" cy="1754326"/>
+              </a:xfrm>
+              <a:prstGeom prst="rect">
+                <a:avLst/>
+              </a:prstGeom>
+            </p:spPr>
+            <p:txBody>
+              <a:bodyPr>
+                <a:spAutoFit/>
+              </a:bodyPr>
+              <a:lstStyle/>
+              <a:p>
+                <a:endParaRPr lang="en-US" dirty="0"/>
+              </a:p>
+              <a:p>
+                <a:r>
+                  <a:rPr lang="en-US" sz="3000" i="1" dirty="0"/>
+                  <a:t>3.) Solve: </a:t>
+                </a:r>
+                <a:endParaRPr lang="en-US" sz="3000" i="1" dirty="0"/>
+              </a:p>
+              <a:p>
+                <a:endParaRPr lang="en-US" sz="3000" dirty="0"/>
+              </a:p>
+              <a:p>
+                <a:pPr/>
+                <a14:m>
+                  <m:oMathPara xmlns:m="http://schemas.openxmlformats.org/officeDocument/2006/math">
+                    <m:oMathParaPr>
+                      <m:jc m:val="left"/>
+                    </m:oMathParaPr>
+                    <m:oMath xmlns:m="http://schemas.openxmlformats.org/officeDocument/2006/math">
+                      <m:r>
+                        <a:rPr lang="en-US" sz="3000">
+                          <a:latin typeface="Cambria Math" panose="02040503050406030204" pitchFamily="18" charset="0"/>
+                        </a:rPr>
+                        <m:t>−6</m:t>
+                      </m:r>
+                      <m:r>
+                        <m:rPr>
+                          <m:sty m:val="p"/>
+                        </m:rPr>
+                        <a:rPr lang="en-US" sz="3000">
+                          <a:latin typeface="Cambria Math" panose="02040503050406030204" pitchFamily="18" charset="0"/>
+                        </a:rPr>
+                        <m:t>x</m:t>
+                      </m:r>
+                      <m:r>
+                        <a:rPr lang="en-US" sz="3000">
+                          <a:latin typeface="Cambria Math" panose="02040503050406030204" pitchFamily="18" charset="0"/>
+                        </a:rPr>
+                        <m:t>−4=−</m:t>
+                      </m:r>
+                      <m:r>
+                        <a:rPr lang="en-US" sz="3000" i="1">
+                          <a:latin typeface="Cambria Math" panose="02040503050406030204" pitchFamily="18" charset="0"/>
+                        </a:rPr>
+                        <m:t>4</m:t>
+                      </m:r>
+                      <m:r>
+                        <a:rPr lang="en-US" sz="3000" i="1">
+                          <a:latin typeface="Cambria Math" panose="02040503050406030204" pitchFamily="18" charset="0"/>
+                        </a:rPr>
+                        <m:t>𝑥</m:t>
+                      </m:r>
+                      <m:r>
+                        <a:rPr lang="en-US" sz="3000" i="1">
+                          <a:latin typeface="Cambria Math" panose="02040503050406030204" pitchFamily="18" charset="0"/>
+                        </a:rPr>
+                        <m:t>+12</m:t>
+                      </m:r>
+                    </m:oMath>
+                  </m:oMathPara>
+                </a14:m>
+                <a:endParaRPr lang="en-US" sz="3000" dirty="0"/>
+              </a:p>
+            </p:txBody>
+          </p:sp>
+        </mc:Choice>
+        <mc:Fallback>
+          <p:sp>
+            <p:nvSpPr>
+              <p:cNvPr id="3" name="Rectangle 2"/>
+              <p:cNvSpPr>
+                <a:spLocks noRot="1" noChangeAspect="1" noMove="1" noResize="1" noEditPoints="1" noAdjustHandles="1" noChangeArrowheads="1" noChangeShapeType="1" noTextEdit="1"/>
+              </p:cNvSpPr>
+              <p:nvPr/>
+            </p:nvSpPr>
+            <p:spPr>
+              <a:xfrm>
+                <a:off x="6214946" y="1423782"/>
+                <a:ext cx="6096000" cy="1754326"/>
+              </a:xfrm>
+              <a:prstGeom prst="rect">
+                <a:avLst/>
+              </a:prstGeom>
+              <a:blipFill rotWithShape="0">
+                <a:blip r:embed="rId3"/>
+                <a:stretch>
+                  <a:fillRect l="-2400"/>
                 </a:stretch>
               </a:blipFill>
             </p:spPr>
@@ -4147,11 +4286,7 @@
             </a:r>
             <a:r>
               <a:rPr lang="en-US" sz="3000" dirty="0" smtClean="0"/>
-              <a:t>              </a:t>
-            </a:r>
-            <a:r>
-              <a:rPr lang="en-US" sz="3000" dirty="0" smtClean="0"/>
-              <a:t>15, 17, 19, 20, 22, 25</a:t>
+              <a:t>              15, 17, 19, 20, 22, 25</a:t>
             </a:r>
             <a:endParaRPr lang="en-US" sz="3000" dirty="0"/>
           </a:p>
@@ -4239,7 +4374,7 @@
             </a:pPr>
             <a:r>
               <a:rPr lang="en-US" sz="3000" dirty="0" smtClean="0"/>
-              <a:t>From Today</a:t>
+              <a:t>From Last Time</a:t>
             </a:r>
           </a:p>
           <a:p>
@@ -4287,7 +4422,7 @@
               <a:buNone/>
             </a:pPr>
             <a:r>
-              <a:rPr lang="en-US" sz="3000" smtClean="0"/>
+              <a:rPr lang="en-US" sz="3000" dirty="0" smtClean="0"/>
               <a:t>Page 40 #72, 75, 78</a:t>
             </a:r>
             <a:endParaRPr lang="en-US" sz="3000" dirty="0"/>
@@ -4903,7 +5038,7 @@
           <a:graphicData uri="http://schemas.openxmlformats.org/presentationml/2006/ole">
             <mc:AlternateContent xmlns:mc="http://schemas.openxmlformats.org/markup-compatibility/2006">
               <mc:Choice xmlns:v="urn:schemas-microsoft-com:vml" Requires="v">
-                <p:oleObj spid="_x0000_s1030" r:id="rId3" imgW="685800" imgH="393700" progId="Equation.DSMT4">
+                <p:oleObj spid="_x0000_s1040" r:id="rId3" imgW="685800" imgH="393700" progId="Equation.DSMT4">
                   <p:embed/>
                 </p:oleObj>
               </mc:Choice>
@@ -4970,7 +5105,7 @@
           <a:graphicData uri="http://schemas.openxmlformats.org/presentationml/2006/ole">
             <mc:AlternateContent xmlns:mc="http://schemas.openxmlformats.org/markup-compatibility/2006">
               <mc:Choice xmlns:v="urn:schemas-microsoft-com:vml" Requires="v">
-                <p:oleObj spid="_x0000_s1031" r:id="rId5" imgW="723900" imgH="393700" progId="Equation.DSMT4">
+                <p:oleObj spid="_x0000_s1041" r:id="rId5" imgW="723900" imgH="393700" progId="Equation.DSMT4">
                   <p:embed/>
                 </p:oleObj>
               </mc:Choice>
@@ -5357,8 +5492,8 @@
           </a:p>
         </p:txBody>
       </p:sp>
-      <mc:AlternateContent xmlns:mc="http://schemas.openxmlformats.org/markup-compatibility/2006">
-        <mc:Choice xmlns:a14="http://schemas.microsoft.com/office/drawing/2010/main" Requires="a14">
+      <mc:AlternateContent xmlns:mc="http://schemas.openxmlformats.org/markup-compatibility/2006" xmlns:a14="http://schemas.microsoft.com/office/drawing/2010/main">
+        <mc:Choice Requires="a14">
           <p:sp>
             <p:nvSpPr>
               <p:cNvPr id="3" name="Content Placeholder 2"/>
@@ -5707,7 +5842,7 @@
             </p:txBody>
           </p:sp>
         </mc:Choice>
-        <mc:Fallback>
+        <mc:Fallback xmlns="">
           <p:sp>
             <p:nvSpPr>
               <p:cNvPr id="3" name="Content Placeholder 2"/>
